--- a/astro_presentation.pptx
+++ b/astro_presentation.pptx
@@ -5,23 +5,24 @@
     <p:sldMasterId id="2147483648" r:id="rId1"/>
   </p:sldMasterIdLst>
   <p:notesMasterIdLst>
-    <p:notesMasterId r:id="rId16"/>
+    <p:notesMasterId r:id="rId17"/>
   </p:notesMasterIdLst>
   <p:sldIdLst>
-    <p:sldId id="256" r:id="rId2"/>
-    <p:sldId id="259" r:id="rId3"/>
-    <p:sldId id="258" r:id="rId4"/>
-    <p:sldId id="257" r:id="rId5"/>
-    <p:sldId id="260" r:id="rId6"/>
-    <p:sldId id="261" r:id="rId7"/>
-    <p:sldId id="262" r:id="rId8"/>
-    <p:sldId id="264" r:id="rId9"/>
-    <p:sldId id="265" r:id="rId10"/>
-    <p:sldId id="266" r:id="rId11"/>
-    <p:sldId id="263" r:id="rId12"/>
-    <p:sldId id="267" r:id="rId13"/>
-    <p:sldId id="268" r:id="rId14"/>
-    <p:sldId id="269" r:id="rId15"/>
+    <p:sldId id="270" r:id="rId2"/>
+    <p:sldId id="256" r:id="rId3"/>
+    <p:sldId id="259" r:id="rId4"/>
+    <p:sldId id="258" r:id="rId5"/>
+    <p:sldId id="257" r:id="rId6"/>
+    <p:sldId id="260" r:id="rId7"/>
+    <p:sldId id="261" r:id="rId8"/>
+    <p:sldId id="262" r:id="rId9"/>
+    <p:sldId id="264" r:id="rId10"/>
+    <p:sldId id="265" r:id="rId11"/>
+    <p:sldId id="266" r:id="rId12"/>
+    <p:sldId id="263" r:id="rId13"/>
+    <p:sldId id="267" r:id="rId14"/>
+    <p:sldId id="268" r:id="rId15"/>
+    <p:sldId id="269" r:id="rId16"/>
   </p:sldIdLst>
   <p:sldSz cx="12192000" cy="6858000"/>
   <p:notesSz cx="6858000" cy="9144000"/>
@@ -543,7 +544,7 @@
           <a:p>
             <a:fld id="{BA0BFCE3-A7FA-4F40-A8D3-D76321F459C5}" type="slidenum">
               <a:rPr lang="en-US" smtClean="0"/>
-              <a:t>1</a:t>
+              <a:t>2</a:t>
             </a:fld>
             <a:endParaRPr lang="en-US"/>
           </a:p>
@@ -3802,88 +3803,65 @@
           <p:cNvPr id="2" name="Title 1">
             <a:extLst>
               <a:ext uri="{FF2B5EF4-FFF2-40B4-BE49-F238E27FC236}">
-                <a16:creationId xmlns:a16="http://schemas.microsoft.com/office/drawing/2014/main" id="{8456C652-31D8-5543-961E-9328A39F61DD}"/>
-              </a:ext>
-            </a:extLst>
-          </p:cNvPr>
-          <p:cNvSpPr>
-            <a:spLocks noGrp="1"/>
-          </p:cNvSpPr>
-          <p:nvPr>
-            <p:ph type="ctrTitle"/>
-          </p:nvPr>
-        </p:nvSpPr>
-        <p:spPr>
-          <a:xfrm>
-            <a:off x="0" y="1692275"/>
-            <a:ext cx="12192000" cy="2387600"/>
-          </a:xfrm>
-        </p:spPr>
-        <p:txBody>
-          <a:bodyPr>
-            <a:normAutofit/>
-          </a:bodyPr>
-          <a:lstStyle/>
-          <a:p>
-            <a:r>
-              <a:rPr lang="en-US" sz="6600" dirty="0">
-                <a:latin typeface="Optima" panose="02000503060000020004" pitchFamily="2" charset="0"/>
-              </a:rPr>
-              <a:t>ASTRONOMICAL</a:t>
-            </a:r>
-            <a:r>
-              <a:rPr lang="en-US" sz="5400" dirty="0">
-                <a:latin typeface="Optima" panose="02000503060000020004" pitchFamily="2" charset="0"/>
-              </a:rPr>
-              <a:t> </a:t>
-            </a:r>
-            <a:br>
-              <a:rPr lang="en-US" sz="5400" dirty="0">
-                <a:latin typeface="Optima" panose="02000503060000020004" pitchFamily="2" charset="0"/>
-              </a:rPr>
-            </a:br>
-            <a:r>
-              <a:rPr lang="en-US" sz="5400" dirty="0">
-                <a:latin typeface="Optima" panose="02000503060000020004" pitchFamily="2" charset="0"/>
-              </a:rPr>
-              <a:t>IMAGE PROCESSING</a:t>
-            </a:r>
-          </a:p>
-        </p:txBody>
-      </p:sp>
-      <p:sp>
-        <p:nvSpPr>
-          <p:cNvPr id="3" name="Subtitle 2">
-            <a:extLst>
-              <a:ext uri="{FF2B5EF4-FFF2-40B4-BE49-F238E27FC236}">
-                <a16:creationId xmlns:a16="http://schemas.microsoft.com/office/drawing/2014/main" id="{8DE3172A-043C-4142-AF51-EB073AFA3DDB}"/>
-              </a:ext>
-            </a:extLst>
-          </p:cNvPr>
-          <p:cNvSpPr>
-            <a:spLocks noGrp="1"/>
-          </p:cNvSpPr>
-          <p:nvPr>
-            <p:ph type="subTitle" idx="1"/>
-          </p:nvPr>
-        </p:nvSpPr>
-        <p:spPr>
-          <a:xfrm>
-            <a:off x="1524000" y="4079875"/>
-            <a:ext cx="9144000" cy="1655762"/>
-          </a:xfrm>
-        </p:spPr>
-        <p:txBody>
-          <a:bodyPr>
-            <a:normAutofit/>
-          </a:bodyPr>
-          <a:lstStyle/>
-          <a:p>
-            <a:r>
-              <a:rPr lang="en-US" sz="1800" dirty="0">
-                <a:latin typeface="Optima" panose="02000503060000020004" pitchFamily="2" charset="0"/>
-              </a:rPr>
-              <a:t>DAVID BATES &amp; SUKORNO ASAD</a:t>
+                <a16:creationId xmlns:a16="http://schemas.microsoft.com/office/drawing/2014/main" id="{80C4458F-F597-CF43-9BC2-313266AB5F21}"/>
+              </a:ext>
+            </a:extLst>
+          </p:cNvPr>
+          <p:cNvSpPr>
+            <a:spLocks noGrp="1"/>
+          </p:cNvSpPr>
+          <p:nvPr>
+            <p:ph type="title"/>
+          </p:nvPr>
+        </p:nvSpPr>
+        <p:spPr/>
+        <p:txBody>
+          <a:bodyPr/>
+          <a:lstStyle/>
+          <a:p>
+            <a:r>
+              <a:rPr lang="en-US" dirty="0"/>
+              <a:t>Main Results</a:t>
+            </a:r>
+          </a:p>
+        </p:txBody>
+      </p:sp>
+      <p:sp>
+        <p:nvSpPr>
+          <p:cNvPr id="3" name="Content Placeholder 2">
+            <a:extLst>
+              <a:ext uri="{FF2B5EF4-FFF2-40B4-BE49-F238E27FC236}">
+                <a16:creationId xmlns:a16="http://schemas.microsoft.com/office/drawing/2014/main" id="{112330FC-B1F1-F245-82EE-31B19F6EEF61}"/>
+              </a:ext>
+            </a:extLst>
+          </p:cNvPr>
+          <p:cNvSpPr>
+            <a:spLocks noGrp="1"/>
+          </p:cNvSpPr>
+          <p:nvPr>
+            <p:ph idx="1"/>
+          </p:nvPr>
+        </p:nvSpPr>
+        <p:spPr/>
+        <p:txBody>
+          <a:bodyPr/>
+          <a:lstStyle/>
+          <a:p>
+            <a:r>
+              <a:rPr lang="en-US" dirty="0"/>
+              <a:t>Show original FITS data next to log(N) plot</a:t>
+            </a:r>
+          </a:p>
+          <a:p>
+            <a:r>
+              <a:rPr lang="en-US" dirty="0"/>
+              <a:t>Show simulated data + object fitting</a:t>
+            </a:r>
+          </a:p>
+          <a:p>
+            <a:r>
+              <a:rPr lang="en-US" dirty="0"/>
+              <a:t>Show catalogue of objects w/ magnitude and position</a:t>
             </a:r>
           </a:p>
         </p:txBody>
@@ -3891,7 +3869,7 @@
     </p:spTree>
     <p:extLst>
       <p:ext uri="{BB962C8B-B14F-4D97-AF65-F5344CB8AC3E}">
-        <p14:creationId xmlns:p14="http://schemas.microsoft.com/office/powerpoint/2010/main" val="534358664"/>
+        <p14:creationId xmlns:p14="http://schemas.microsoft.com/office/powerpoint/2010/main" val="3985695718"/>
       </p:ext>
     </p:extLst>
   </p:cSld>
@@ -3923,7 +3901,7 @@
           <p:cNvPr id="2" name="Title 1">
             <a:extLst>
               <a:ext uri="{FF2B5EF4-FFF2-40B4-BE49-F238E27FC236}">
-                <a16:creationId xmlns:a16="http://schemas.microsoft.com/office/drawing/2014/main" id="{08B3200C-89CE-4749-A137-B05927B73B02}"/>
+                <a16:creationId xmlns:a16="http://schemas.microsoft.com/office/drawing/2014/main" id="{2DB9213D-4FC3-1F42-A4A0-53975FFEF551}"/>
               </a:ext>
             </a:extLst>
           </p:cNvPr>
@@ -3941,7 +3919,7 @@
           <a:p>
             <a:r>
               <a:rPr lang="en-US" dirty="0"/>
-              <a:t>what we did 5 – magnitude plot</a:t>
+              <a:t>what we did 4 – corrected image</a:t>
             </a:r>
           </a:p>
         </p:txBody>
@@ -3951,7 +3929,7 @@
           <p:cNvPr id="3" name="Content Placeholder 2">
             <a:extLst>
               <a:ext uri="{FF2B5EF4-FFF2-40B4-BE49-F238E27FC236}">
-                <a16:creationId xmlns:a16="http://schemas.microsoft.com/office/drawing/2014/main" id="{5C4A3F80-D293-B641-B293-25F88D6F054B}"/>
+                <a16:creationId xmlns:a16="http://schemas.microsoft.com/office/drawing/2014/main" id="{2F0BC6F4-52F5-054D-95CA-CEEB60014C51}"/>
               </a:ext>
             </a:extLst>
           </p:cNvPr>
@@ -3969,19 +3947,43 @@
           <a:p>
             <a:r>
               <a:rPr lang="en-US" dirty="0"/>
-              <a:t>For each object, converted counts to magnitude</a:t>
-            </a:r>
-          </a:p>
-          <a:p>
-            <a:r>
-              <a:rPr lang="en-US" dirty="0"/>
-              <a:t>-&gt; show equations</a:t>
-            </a:r>
-          </a:p>
-          <a:p>
-            <a:r>
-              <a:rPr lang="en-US" dirty="0"/>
-              <a:t>Plotted magnitude of objects vs apparent brightness</a:t>
+              <a:t>Histogram of true image -&gt; distribution of brightness</a:t>
+            </a:r>
+          </a:p>
+          <a:p>
+            <a:r>
+              <a:rPr lang="en-US" dirty="0"/>
+              <a:t>Gaussian fit to histogram</a:t>
+            </a:r>
+          </a:p>
+          <a:p>
+            <a:r>
+              <a:rPr lang="en-US" dirty="0"/>
+              <a:t>Now we have true background, use histogram tail to isolate objects properly</a:t>
+            </a:r>
+          </a:p>
+          <a:p>
+            <a:r>
+              <a:rPr lang="en-US" dirty="0"/>
+              <a:t>Identifies connected pixels again</a:t>
+            </a:r>
+          </a:p>
+          <a:p>
+            <a:r>
+              <a:rPr lang="en-US" dirty="0"/>
+              <a:t>Removes small objects + relabels again</a:t>
+            </a:r>
+          </a:p>
+          <a:p>
+            <a:r>
+              <a:rPr lang="en-US" dirty="0"/>
+              <a:t>Now isolated all images properly w/ non-background-included counts</a:t>
+            </a:r>
+          </a:p>
+          <a:p>
+            <a:r>
+              <a:rPr lang="en-US" dirty="0"/>
+              <a:t>Show examples of objects</a:t>
             </a:r>
           </a:p>
         </p:txBody>
@@ -3989,7 +3991,7 @@
     </p:spTree>
     <p:extLst>
       <p:ext uri="{BB962C8B-B14F-4D97-AF65-F5344CB8AC3E}">
-        <p14:creationId xmlns:p14="http://schemas.microsoft.com/office/powerpoint/2010/main" val="907324468"/>
+        <p14:creationId xmlns:p14="http://schemas.microsoft.com/office/powerpoint/2010/main" val="1281899891"/>
       </p:ext>
     </p:extLst>
   </p:cSld>
@@ -4021,7 +4023,7 @@
           <p:cNvPr id="2" name="Title 1">
             <a:extLst>
               <a:ext uri="{FF2B5EF4-FFF2-40B4-BE49-F238E27FC236}">
-                <a16:creationId xmlns:a16="http://schemas.microsoft.com/office/drawing/2014/main" id="{CE50AC65-DF8C-7F47-822F-DEE6563F432D}"/>
+                <a16:creationId xmlns:a16="http://schemas.microsoft.com/office/drawing/2014/main" id="{08B3200C-89CE-4749-A137-B05927B73B02}"/>
               </a:ext>
             </a:extLst>
           </p:cNvPr>
@@ -4039,7 +4041,7 @@
           <a:p>
             <a:r>
               <a:rPr lang="en-US" dirty="0"/>
-              <a:t>Testing on fake data</a:t>
+              <a:t>what we did 5 – magnitude plot</a:t>
             </a:r>
           </a:p>
         </p:txBody>
@@ -4049,7 +4051,7 @@
           <p:cNvPr id="3" name="Content Placeholder 2">
             <a:extLst>
               <a:ext uri="{FF2B5EF4-FFF2-40B4-BE49-F238E27FC236}">
-                <a16:creationId xmlns:a16="http://schemas.microsoft.com/office/drawing/2014/main" id="{65CB4734-FE2D-F34E-A19D-7664E63E8EAE}"/>
+                <a16:creationId xmlns:a16="http://schemas.microsoft.com/office/drawing/2014/main" id="{5C4A3F80-D293-B641-B293-25F88D6F054B}"/>
               </a:ext>
             </a:extLst>
           </p:cNvPr>
@@ -4067,28 +4069,19 @@
           <a:p>
             <a:r>
               <a:rPr lang="en-US" dirty="0"/>
-              <a:t>Generated galaxies as Gaussians</a:t>
-            </a:r>
-          </a:p>
-          <a:p>
-            <a:r>
-              <a:rPr lang="en-US" dirty="0"/>
-              <a:t>Variation of </a:t>
-            </a:r>
-            <a:r>
-              <a:rPr lang="el-GR" dirty="0"/>
-              <a:t>σ</a:t>
-            </a:r>
-            <a:r>
-              <a:rPr lang="en-GB" dirty="0"/>
-              <a:t> matrices to create spheres + ovals</a:t>
-            </a:r>
-            <a:endParaRPr lang="en-US" dirty="0"/>
-          </a:p>
-          <a:p>
-            <a:r>
-              <a:rPr lang="en-US" dirty="0"/>
-              <a:t>Show example of oval fit + circle fit</a:t>
+              <a:t>For each object, converted counts to magnitude</a:t>
+            </a:r>
+          </a:p>
+          <a:p>
+            <a:r>
+              <a:rPr lang="en-US" dirty="0"/>
+              <a:t>-&gt; show equations</a:t>
+            </a:r>
+          </a:p>
+          <a:p>
+            <a:r>
+              <a:rPr lang="en-US" dirty="0"/>
+              <a:t>Plotted magnitude of objects vs apparent brightness</a:t>
             </a:r>
           </a:p>
         </p:txBody>
@@ -4096,7 +4089,7 @@
     </p:spTree>
     <p:extLst>
       <p:ext uri="{BB962C8B-B14F-4D97-AF65-F5344CB8AC3E}">
-        <p14:creationId xmlns:p14="http://schemas.microsoft.com/office/powerpoint/2010/main" val="2164690447"/>
+        <p14:creationId xmlns:p14="http://schemas.microsoft.com/office/powerpoint/2010/main" val="907324468"/>
       </p:ext>
     </p:extLst>
   </p:cSld>
@@ -4128,7 +4121,7 @@
           <p:cNvPr id="2" name="Title 1">
             <a:extLst>
               <a:ext uri="{FF2B5EF4-FFF2-40B4-BE49-F238E27FC236}">
-                <a16:creationId xmlns:a16="http://schemas.microsoft.com/office/drawing/2014/main" id="{0BB98B55-C694-6043-9520-FF5B6C0B4A1F}"/>
+                <a16:creationId xmlns:a16="http://schemas.microsoft.com/office/drawing/2014/main" id="{CE50AC65-DF8C-7F47-822F-DEE6563F432D}"/>
               </a:ext>
             </a:extLst>
           </p:cNvPr>
@@ -4146,7 +4139,7 @@
           <a:p>
             <a:r>
               <a:rPr lang="en-US" dirty="0"/>
-              <a:t>Additional Tasks</a:t>
+              <a:t>Testing on fake data</a:t>
             </a:r>
           </a:p>
         </p:txBody>
@@ -4156,7 +4149,7 @@
           <p:cNvPr id="3" name="Content Placeholder 2">
             <a:extLst>
               <a:ext uri="{FF2B5EF4-FFF2-40B4-BE49-F238E27FC236}">
-                <a16:creationId xmlns:a16="http://schemas.microsoft.com/office/drawing/2014/main" id="{EDECFF76-A451-7046-BA91-EF78F7765241}"/>
+                <a16:creationId xmlns:a16="http://schemas.microsoft.com/office/drawing/2014/main" id="{65CB4734-FE2D-F34E-A19D-7664E63E8EAE}"/>
               </a:ext>
             </a:extLst>
           </p:cNvPr>
@@ -4174,27 +4167,36 @@
           <a:p>
             <a:r>
               <a:rPr lang="en-US" dirty="0"/>
-              <a:t>Bayes’ factor to determine what’s a star and what’s a galaxy</a:t>
-            </a:r>
-          </a:p>
-          <a:p>
-            <a:r>
-              <a:rPr lang="en-US" dirty="0"/>
-              <a:t>Comparing count distribution to Gaussian (star) and Gaussian * Top-hat (galaxy)</a:t>
-            </a:r>
-          </a:p>
-          <a:p>
-            <a:pPr marL="0" indent="0">
-              <a:buNone/>
-            </a:pPr>
+              <a:t>Generated galaxies as Gaussians</a:t>
+            </a:r>
+          </a:p>
+          <a:p>
+            <a:r>
+              <a:rPr lang="en-US" dirty="0"/>
+              <a:t>Variation of </a:t>
+            </a:r>
+            <a:r>
+              <a:rPr lang="el-GR" dirty="0"/>
+              <a:t>σ</a:t>
+            </a:r>
+            <a:r>
+              <a:rPr lang="en-GB" dirty="0"/>
+              <a:t> matrices to create spheres + ovals</a:t>
+            </a:r>
             <a:endParaRPr lang="en-US" dirty="0"/>
+          </a:p>
+          <a:p>
+            <a:r>
+              <a:rPr lang="en-US" dirty="0"/>
+              <a:t>Show example of oval fit + circle fit</a:t>
+            </a:r>
           </a:p>
         </p:txBody>
       </p:sp>
     </p:spTree>
     <p:extLst>
       <p:ext uri="{BB962C8B-B14F-4D97-AF65-F5344CB8AC3E}">
-        <p14:creationId xmlns:p14="http://schemas.microsoft.com/office/powerpoint/2010/main" val="3995637488"/>
+        <p14:creationId xmlns:p14="http://schemas.microsoft.com/office/powerpoint/2010/main" val="2164690447"/>
       </p:ext>
     </p:extLst>
   </p:cSld>
@@ -4226,6 +4228,104 @@
           <p:cNvPr id="2" name="Title 1">
             <a:extLst>
               <a:ext uri="{FF2B5EF4-FFF2-40B4-BE49-F238E27FC236}">
+                <a16:creationId xmlns:a16="http://schemas.microsoft.com/office/drawing/2014/main" id="{0BB98B55-C694-6043-9520-FF5B6C0B4A1F}"/>
+              </a:ext>
+            </a:extLst>
+          </p:cNvPr>
+          <p:cNvSpPr>
+            <a:spLocks noGrp="1"/>
+          </p:cNvSpPr>
+          <p:nvPr>
+            <p:ph type="title"/>
+          </p:nvPr>
+        </p:nvSpPr>
+        <p:spPr/>
+        <p:txBody>
+          <a:bodyPr/>
+          <a:lstStyle/>
+          <a:p>
+            <a:r>
+              <a:rPr lang="en-US" dirty="0"/>
+              <a:t>Additional Tasks</a:t>
+            </a:r>
+          </a:p>
+        </p:txBody>
+      </p:sp>
+      <p:sp>
+        <p:nvSpPr>
+          <p:cNvPr id="3" name="Content Placeholder 2">
+            <a:extLst>
+              <a:ext uri="{FF2B5EF4-FFF2-40B4-BE49-F238E27FC236}">
+                <a16:creationId xmlns:a16="http://schemas.microsoft.com/office/drawing/2014/main" id="{EDECFF76-A451-7046-BA91-EF78F7765241}"/>
+              </a:ext>
+            </a:extLst>
+          </p:cNvPr>
+          <p:cNvSpPr>
+            <a:spLocks noGrp="1"/>
+          </p:cNvSpPr>
+          <p:nvPr>
+            <p:ph idx="1"/>
+          </p:nvPr>
+        </p:nvSpPr>
+        <p:spPr/>
+        <p:txBody>
+          <a:bodyPr/>
+          <a:lstStyle/>
+          <a:p>
+            <a:r>
+              <a:rPr lang="en-US" dirty="0"/>
+              <a:t>Bayes’ factor to determine what’s a star and what’s a galaxy</a:t>
+            </a:r>
+          </a:p>
+          <a:p>
+            <a:r>
+              <a:rPr lang="en-US" dirty="0"/>
+              <a:t>Comparing count distribution to Gaussian (star) and Gaussian * Top-hat (galaxy)</a:t>
+            </a:r>
+          </a:p>
+          <a:p>
+            <a:pPr marL="0" indent="0">
+              <a:buNone/>
+            </a:pPr>
+            <a:endParaRPr lang="en-US" dirty="0"/>
+          </a:p>
+        </p:txBody>
+      </p:sp>
+    </p:spTree>
+    <p:extLst>
+      <p:ext uri="{BB962C8B-B14F-4D97-AF65-F5344CB8AC3E}">
+        <p14:creationId xmlns:p14="http://schemas.microsoft.com/office/powerpoint/2010/main" val="3995637488"/>
+      </p:ext>
+    </p:extLst>
+  </p:cSld>
+  <p:clrMapOvr>
+    <a:masterClrMapping/>
+  </p:clrMapOvr>
+</p:sld>
+</file>
+
+<file path=ppt/slides/slide14.xml><?xml version="1.0" encoding="utf-8"?>
+<p:sld xmlns:a="http://schemas.openxmlformats.org/drawingml/2006/main" xmlns:r="http://schemas.openxmlformats.org/officeDocument/2006/relationships" xmlns:p="http://schemas.openxmlformats.org/presentationml/2006/main">
+  <p:cSld>
+    <p:spTree>
+      <p:nvGrpSpPr>
+        <p:cNvPr id="1" name=""/>
+        <p:cNvGrpSpPr/>
+        <p:nvPr/>
+      </p:nvGrpSpPr>
+      <p:grpSpPr>
+        <a:xfrm>
+          <a:off x="0" y="0"/>
+          <a:ext cx="0" cy="0"/>
+          <a:chOff x="0" y="0"/>
+          <a:chExt cx="0" cy="0"/>
+        </a:xfrm>
+      </p:grpSpPr>
+      <p:sp>
+        <p:nvSpPr>
+          <p:cNvPr id="2" name="Title 1">
+            <a:extLst>
+              <a:ext uri="{FF2B5EF4-FFF2-40B4-BE49-F238E27FC236}">
                 <a16:creationId xmlns:a16="http://schemas.microsoft.com/office/drawing/2014/main" id="{74CC7EA0-73E8-E542-84B1-D83B97D9E61D}"/>
               </a:ext>
             </a:extLst>
@@ -4279,8 +4379,12 @@
           </a:p>
           <a:p>
             <a:r>
-              <a:rPr lang="en-US" dirty="0"/>
-              <a:t>Successfully corrected image for BG + obtained log(N) plot</a:t>
+              <a:rPr lang="en-US"/>
+              <a:t>Corrected image </a:t>
+            </a:r>
+            <a:r>
+              <a:rPr lang="en-US" dirty="0"/>
+              <a:t>for BG + obtained log(N) plot</a:t>
             </a:r>
           </a:p>
           <a:p>
@@ -4343,7 +4447,7 @@
 </p:sld>
 </file>
 
-<file path=ppt/slides/slide14.xml><?xml version="1.0" encoding="utf-8"?>
+<file path=ppt/slides/slide15.xml><?xml version="1.0" encoding="utf-8"?>
 <p:sld xmlns:a="http://schemas.openxmlformats.org/drawingml/2006/main" xmlns:r="http://schemas.openxmlformats.org/officeDocument/2006/relationships" xmlns:p="http://schemas.openxmlformats.org/presentationml/2006/main">
   <p:cSld>
     <p:spTree>
@@ -4459,73 +4563,88 @@
           <p:cNvPr id="2" name="Title 1">
             <a:extLst>
               <a:ext uri="{FF2B5EF4-FFF2-40B4-BE49-F238E27FC236}">
-                <a16:creationId xmlns:a16="http://schemas.microsoft.com/office/drawing/2014/main" id="{EBE2755F-2636-8346-B78B-E55FBE1F4F59}"/>
-              </a:ext>
-            </a:extLst>
-          </p:cNvPr>
-          <p:cNvSpPr>
-            <a:spLocks noGrp="1"/>
-          </p:cNvSpPr>
-          <p:nvPr>
-            <p:ph type="title"/>
-          </p:nvPr>
-        </p:nvSpPr>
-        <p:spPr/>
-        <p:txBody>
-          <a:bodyPr/>
-          <a:lstStyle/>
-          <a:p>
-            <a:r>
-              <a:rPr lang="en-US" dirty="0"/>
-              <a:t>Original FITS image</a:t>
-            </a:r>
-          </a:p>
-        </p:txBody>
-      </p:sp>
-      <p:sp>
-        <p:nvSpPr>
-          <p:cNvPr id="3" name="Content Placeholder 2">
-            <a:extLst>
-              <a:ext uri="{FF2B5EF4-FFF2-40B4-BE49-F238E27FC236}">
-                <a16:creationId xmlns:a16="http://schemas.microsoft.com/office/drawing/2014/main" id="{C7FBC4E5-3D62-6548-BED4-AB70BFFBDEA7}"/>
-              </a:ext>
-            </a:extLst>
-          </p:cNvPr>
-          <p:cNvSpPr>
-            <a:spLocks noGrp="1"/>
-          </p:cNvSpPr>
-          <p:nvPr>
-            <p:ph idx="1"/>
-          </p:nvPr>
-        </p:nvSpPr>
-        <p:spPr/>
-        <p:txBody>
-          <a:bodyPr/>
-          <a:lstStyle/>
-          <a:p>
-            <a:r>
-              <a:rPr lang="en-US" dirty="0"/>
-              <a:t>Show original FITS image</a:t>
-            </a:r>
-          </a:p>
-          <a:p>
-            <a:r>
-              <a:rPr lang="en-US" dirty="0"/>
-              <a:t>Image w/ filters (min-max, </a:t>
-            </a:r>
-            <a:r>
-              <a:rPr lang="en-US" dirty="0" err="1"/>
-              <a:t>zscale</a:t>
-            </a:r>
-            <a:r>
-              <a:rPr lang="en-US" dirty="0"/>
-              <a:t>)</a:t>
-            </a:r>
-          </a:p>
-          <a:p>
-            <a:r>
-              <a:rPr lang="en-US" dirty="0"/>
-              <a:t>Point out features e.g. obvious bright stars, bleeding out, edge effects</a:t>
+                <a16:creationId xmlns:a16="http://schemas.microsoft.com/office/drawing/2014/main" id="{8456C652-31D8-5543-961E-9328A39F61DD}"/>
+              </a:ext>
+            </a:extLst>
+          </p:cNvPr>
+          <p:cNvSpPr>
+            <a:spLocks noGrp="1"/>
+          </p:cNvSpPr>
+          <p:nvPr>
+            <p:ph type="ctrTitle"/>
+          </p:nvPr>
+        </p:nvSpPr>
+        <p:spPr>
+          <a:xfrm>
+            <a:off x="0" y="1692275"/>
+            <a:ext cx="12192000" cy="2387600"/>
+          </a:xfrm>
+        </p:spPr>
+        <p:txBody>
+          <a:bodyPr>
+            <a:normAutofit/>
+          </a:bodyPr>
+          <a:lstStyle/>
+          <a:p>
+            <a:r>
+              <a:rPr lang="en-US" sz="6600" dirty="0">
+                <a:latin typeface="Optima" panose="02000503060000020004" pitchFamily="2" charset="0"/>
+              </a:rPr>
+              <a:t>ASTRONOMICAL</a:t>
+            </a:r>
+            <a:r>
+              <a:rPr lang="en-US" sz="5400" dirty="0">
+                <a:latin typeface="Optima" panose="02000503060000020004" pitchFamily="2" charset="0"/>
+              </a:rPr>
+              <a:t> </a:t>
+            </a:r>
+            <a:br>
+              <a:rPr lang="en-US" sz="5400" dirty="0">
+                <a:latin typeface="Optima" panose="02000503060000020004" pitchFamily="2" charset="0"/>
+              </a:rPr>
+            </a:br>
+            <a:r>
+              <a:rPr lang="en-US" sz="5400" dirty="0">
+                <a:latin typeface="Optima" panose="02000503060000020004" pitchFamily="2" charset="0"/>
+              </a:rPr>
+              <a:t>IMAGE PROCESSING</a:t>
+            </a:r>
+          </a:p>
+        </p:txBody>
+      </p:sp>
+      <p:sp>
+        <p:nvSpPr>
+          <p:cNvPr id="3" name="Subtitle 2">
+            <a:extLst>
+              <a:ext uri="{FF2B5EF4-FFF2-40B4-BE49-F238E27FC236}">
+                <a16:creationId xmlns:a16="http://schemas.microsoft.com/office/drawing/2014/main" id="{8DE3172A-043C-4142-AF51-EB073AFA3DDB}"/>
+              </a:ext>
+            </a:extLst>
+          </p:cNvPr>
+          <p:cNvSpPr>
+            <a:spLocks noGrp="1"/>
+          </p:cNvSpPr>
+          <p:nvPr>
+            <p:ph type="subTitle" idx="1"/>
+          </p:nvPr>
+        </p:nvSpPr>
+        <p:spPr>
+          <a:xfrm>
+            <a:off x="1524000" y="4079875"/>
+            <a:ext cx="9144000" cy="1655762"/>
+          </a:xfrm>
+        </p:spPr>
+        <p:txBody>
+          <a:bodyPr>
+            <a:normAutofit/>
+          </a:bodyPr>
+          <a:lstStyle/>
+          <a:p>
+            <a:r>
+              <a:rPr lang="en-US" sz="1800" dirty="0">
+                <a:latin typeface="Optima" panose="02000503060000020004" pitchFamily="2" charset="0"/>
+              </a:rPr>
+              <a:t>DAVID BATES &amp; SUKORNO ASAD</a:t>
             </a:r>
           </a:p>
         </p:txBody>
@@ -4533,7 +4652,7 @@
     </p:spTree>
     <p:extLst>
       <p:ext uri="{BB962C8B-B14F-4D97-AF65-F5344CB8AC3E}">
-        <p14:creationId xmlns:p14="http://schemas.microsoft.com/office/powerpoint/2010/main" val="3260171184"/>
+        <p14:creationId xmlns:p14="http://schemas.microsoft.com/office/powerpoint/2010/main" val="534358664"/>
       </p:ext>
     </p:extLst>
   </p:cSld>
@@ -4565,7 +4684,7 @@
           <p:cNvPr id="2" name="Title 1">
             <a:extLst>
               <a:ext uri="{FF2B5EF4-FFF2-40B4-BE49-F238E27FC236}">
-                <a16:creationId xmlns:a16="http://schemas.microsoft.com/office/drawing/2014/main" id="{7FCE0F63-B69C-E543-9218-32A504009510}"/>
+                <a16:creationId xmlns:a16="http://schemas.microsoft.com/office/drawing/2014/main" id="{EBE2755F-2636-8346-B78B-E55FBE1F4F59}"/>
               </a:ext>
             </a:extLst>
           </p:cNvPr>
@@ -4583,7 +4702,7 @@
           <a:p>
             <a:r>
               <a:rPr lang="en-US" dirty="0"/>
-              <a:t>How image was taken</a:t>
+              <a:t>Original FITS image</a:t>
             </a:r>
           </a:p>
         </p:txBody>
@@ -4593,7 +4712,7 @@
           <p:cNvPr id="3" name="Content Placeholder 2">
             <a:extLst>
               <a:ext uri="{FF2B5EF4-FFF2-40B4-BE49-F238E27FC236}">
-                <a16:creationId xmlns:a16="http://schemas.microsoft.com/office/drawing/2014/main" id="{9B80B9D5-56BF-1B46-9F1F-946E67910A53}"/>
+                <a16:creationId xmlns:a16="http://schemas.microsoft.com/office/drawing/2014/main" id="{C7FBC4E5-3D62-6548-BED4-AB70BFFBDEA7}"/>
               </a:ext>
             </a:extLst>
           </p:cNvPr>
@@ -4611,36 +4730,35 @@
           <a:p>
             <a:r>
               <a:rPr lang="en-US" dirty="0"/>
-              <a:t>Explain how CCD sensor works</a:t>
-            </a:r>
-          </a:p>
-          <a:p>
-            <a:r>
-              <a:rPr lang="en-US" dirty="0"/>
-              <a:t>Stacking of images</a:t>
-            </a:r>
-            <a:r>
-              <a:rPr lang="en-US" dirty="0">
-                <a:sym typeface="Wingdings" pitchFamily="2" charset="2"/>
-              </a:rPr>
-              <a:t> led to edge effects</a:t>
-            </a:r>
-          </a:p>
-          <a:p>
-            <a:r>
-              <a:rPr lang="en-US" dirty="0">
-                <a:sym typeface="Wingdings" pitchFamily="2" charset="2"/>
-              </a:rPr>
-              <a:t>CCD oversaturation -&gt; bleeding out for stars</a:t>
-            </a:r>
-            <a:endParaRPr lang="en-US" dirty="0"/>
+              <a:t>Show original FITS image</a:t>
+            </a:r>
+          </a:p>
+          <a:p>
+            <a:r>
+              <a:rPr lang="en-US" dirty="0"/>
+              <a:t>Image w/ filters (min-max, </a:t>
+            </a:r>
+            <a:r>
+              <a:rPr lang="en-US" dirty="0" err="1"/>
+              <a:t>zscale</a:t>
+            </a:r>
+            <a:r>
+              <a:rPr lang="en-US" dirty="0"/>
+              <a:t>)</a:t>
+            </a:r>
+          </a:p>
+          <a:p>
+            <a:r>
+              <a:rPr lang="en-US" dirty="0"/>
+              <a:t>Point out features e.g. obvious bright stars, bleeding out, edge effects</a:t>
+            </a:r>
           </a:p>
         </p:txBody>
       </p:sp>
     </p:spTree>
     <p:extLst>
       <p:ext uri="{BB962C8B-B14F-4D97-AF65-F5344CB8AC3E}">
-        <p14:creationId xmlns:p14="http://schemas.microsoft.com/office/powerpoint/2010/main" val="696955022"/>
+        <p14:creationId xmlns:p14="http://schemas.microsoft.com/office/powerpoint/2010/main" val="3260171184"/>
       </p:ext>
     </p:extLst>
   </p:cSld>
@@ -4672,7 +4790,7 @@
           <p:cNvPr id="2" name="Title 1">
             <a:extLst>
               <a:ext uri="{FF2B5EF4-FFF2-40B4-BE49-F238E27FC236}">
-                <a16:creationId xmlns:a16="http://schemas.microsoft.com/office/drawing/2014/main" id="{D14B619C-2B82-AC42-8DA8-5BB3508E0E58}"/>
+                <a16:creationId xmlns:a16="http://schemas.microsoft.com/office/drawing/2014/main" id="{7FCE0F63-B69C-E543-9218-32A504009510}"/>
               </a:ext>
             </a:extLst>
           </p:cNvPr>
@@ -4690,7 +4808,7 @@
           <a:p>
             <a:r>
               <a:rPr lang="en-US" dirty="0"/>
-              <a:t>Main aims of project</a:t>
+              <a:t>How image was taken</a:t>
             </a:r>
           </a:p>
         </p:txBody>
@@ -4700,7 +4818,7 @@
           <p:cNvPr id="3" name="Content Placeholder 2">
             <a:extLst>
               <a:ext uri="{FF2B5EF4-FFF2-40B4-BE49-F238E27FC236}">
-                <a16:creationId xmlns:a16="http://schemas.microsoft.com/office/drawing/2014/main" id="{085FCDC6-D0F9-B64C-B791-664AD67B922C}"/>
+                <a16:creationId xmlns:a16="http://schemas.microsoft.com/office/drawing/2014/main" id="{9B80B9D5-56BF-1B46-9F1F-946E67910A53}"/>
               </a:ext>
             </a:extLst>
           </p:cNvPr>
@@ -4718,63 +4836,36 @@
           <a:p>
             <a:r>
               <a:rPr lang="en-US" dirty="0"/>
-              <a:t>Start with CCD FITS image of various astronomical objects</a:t>
-            </a:r>
-          </a:p>
-          <a:p>
-            <a:r>
-              <a:rPr lang="en-US" dirty="0"/>
-              <a:t>Correct for background count</a:t>
-            </a:r>
-          </a:p>
-          <a:p>
-            <a:r>
-              <a:rPr lang="en-US" dirty="0"/>
-              <a:t>Isolate and label objects</a:t>
-            </a:r>
-          </a:p>
-          <a:p>
-            <a:r>
-              <a:rPr lang="en-US" dirty="0"/>
-              <a:t>Use apparent brightness of each object to find magnitude</a:t>
-            </a:r>
-          </a:p>
-          <a:p>
-            <a:r>
-              <a:rPr lang="en-US" dirty="0"/>
-              <a:t>Store data for each object in a catalogue</a:t>
-            </a:r>
-          </a:p>
-          <a:p>
-            <a:r>
-              <a:rPr lang="en-US" dirty="0" err="1"/>
-              <a:t>Categorise</a:t>
-            </a:r>
-            <a:r>
-              <a:rPr lang="en-US" dirty="0"/>
-              <a:t> objects into either star or galaxy</a:t>
-            </a:r>
-          </a:p>
-          <a:p>
-            <a:r>
-              <a:rPr lang="en-US" dirty="0"/>
-              <a:t>Plot cumulative freq. of objects against magnitude (</a:t>
-            </a:r>
-            <a:r>
-              <a:rPr lang="en-US" dirty="0" err="1"/>
-              <a:t>logN</a:t>
-            </a:r>
-            <a:r>
-              <a:rPr lang="en-US" dirty="0"/>
-              <a:t>)</a:t>
-            </a:r>
+              <a:t>Explain how CCD sensor works</a:t>
+            </a:r>
+          </a:p>
+          <a:p>
+            <a:r>
+              <a:rPr lang="en-US" dirty="0"/>
+              <a:t>Stacking of images</a:t>
+            </a:r>
+            <a:r>
+              <a:rPr lang="en-US" dirty="0">
+                <a:sym typeface="Wingdings" pitchFamily="2" charset="2"/>
+              </a:rPr>
+              <a:t> led to edge effects</a:t>
+            </a:r>
+          </a:p>
+          <a:p>
+            <a:r>
+              <a:rPr lang="en-US" dirty="0">
+                <a:sym typeface="Wingdings" pitchFamily="2" charset="2"/>
+              </a:rPr>
+              <a:t>CCD oversaturation -&gt; bleeding out for stars</a:t>
+            </a:r>
+            <a:endParaRPr lang="en-US" dirty="0"/>
           </a:p>
         </p:txBody>
       </p:sp>
     </p:spTree>
     <p:extLst>
       <p:ext uri="{BB962C8B-B14F-4D97-AF65-F5344CB8AC3E}">
-        <p14:creationId xmlns:p14="http://schemas.microsoft.com/office/powerpoint/2010/main" val="2627619295"/>
+        <p14:creationId xmlns:p14="http://schemas.microsoft.com/office/powerpoint/2010/main" val="696955022"/>
       </p:ext>
     </p:extLst>
   </p:cSld>
@@ -4806,7 +4897,7 @@
           <p:cNvPr id="2" name="Title 1">
             <a:extLst>
               <a:ext uri="{FF2B5EF4-FFF2-40B4-BE49-F238E27FC236}">
-                <a16:creationId xmlns:a16="http://schemas.microsoft.com/office/drawing/2014/main" id="{5B7886D3-BA1D-3C4D-BD7F-3676D2DC0906}"/>
+                <a16:creationId xmlns:a16="http://schemas.microsoft.com/office/drawing/2014/main" id="{D14B619C-2B82-AC42-8DA8-5BB3508E0E58}"/>
               </a:ext>
             </a:extLst>
           </p:cNvPr>
@@ -4819,14 +4910,12 @@
         </p:nvSpPr>
         <p:spPr/>
         <p:txBody>
-          <a:bodyPr>
-            <a:normAutofit/>
-          </a:bodyPr>
-          <a:lstStyle/>
-          <a:p>
-            <a:r>
-              <a:rPr lang="en-US" dirty="0"/>
-              <a:t>Why do we want distribution of magnitudes?</a:t>
+          <a:bodyPr/>
+          <a:lstStyle/>
+          <a:p>
+            <a:r>
+              <a:rPr lang="en-US" dirty="0"/>
+              <a:t>Main aims of project</a:t>
             </a:r>
           </a:p>
         </p:txBody>
@@ -4836,7 +4925,7 @@
           <p:cNvPr id="3" name="Content Placeholder 2">
             <a:extLst>
               <a:ext uri="{FF2B5EF4-FFF2-40B4-BE49-F238E27FC236}">
-                <a16:creationId xmlns:a16="http://schemas.microsoft.com/office/drawing/2014/main" id="{C65FE671-2011-BC42-84BD-34F67733B738}"/>
+                <a16:creationId xmlns:a16="http://schemas.microsoft.com/office/drawing/2014/main" id="{085FCDC6-D0F9-B64C-B791-664AD67B922C}"/>
               </a:ext>
             </a:extLst>
           </p:cNvPr>
@@ -4854,13 +4943,55 @@
           <a:p>
             <a:r>
               <a:rPr lang="en-US" dirty="0"/>
-              <a:t>Talk a bit about modern conventional methods in the industry</a:t>
-            </a:r>
-          </a:p>
-          <a:p>
-            <a:r>
-              <a:rPr lang="en-US" dirty="0"/>
-              <a:t>Allows us to compare to data from literature</a:t>
+              <a:t>Start with CCD FITS image of various astronomical objects</a:t>
+            </a:r>
+          </a:p>
+          <a:p>
+            <a:r>
+              <a:rPr lang="en-US" dirty="0"/>
+              <a:t>Correct for background count</a:t>
+            </a:r>
+          </a:p>
+          <a:p>
+            <a:r>
+              <a:rPr lang="en-US" dirty="0"/>
+              <a:t>Isolate and label objects</a:t>
+            </a:r>
+          </a:p>
+          <a:p>
+            <a:r>
+              <a:rPr lang="en-US" dirty="0"/>
+              <a:t>Use apparent brightness of each object to find magnitude</a:t>
+            </a:r>
+          </a:p>
+          <a:p>
+            <a:r>
+              <a:rPr lang="en-US" dirty="0"/>
+              <a:t>Store data for each object in a catalogue</a:t>
+            </a:r>
+          </a:p>
+          <a:p>
+            <a:r>
+              <a:rPr lang="en-US" dirty="0" err="1"/>
+              <a:t>Categorise</a:t>
+            </a:r>
+            <a:r>
+              <a:rPr lang="en-US" dirty="0"/>
+              <a:t> objects into either star or galaxy</a:t>
+            </a:r>
+          </a:p>
+          <a:p>
+            <a:r>
+              <a:rPr lang="en-US" dirty="0"/>
+              <a:t>Plot cumulative freq. of objects against magnitude (</a:t>
+            </a:r>
+            <a:r>
+              <a:rPr lang="en-US" dirty="0" err="1"/>
+              <a:t>logN</a:t>
+            </a:r>
+            <a:r>
+              <a:rPr lang="en-US" dirty="0"/>
+              <a:t>)</a:t>
             </a:r>
           </a:p>
         </p:txBody>
@@ -4868,7 +4999,7 @@
     </p:spTree>
     <p:extLst>
       <p:ext uri="{BB962C8B-B14F-4D97-AF65-F5344CB8AC3E}">
-        <p14:creationId xmlns:p14="http://schemas.microsoft.com/office/powerpoint/2010/main" val="496973977"/>
+        <p14:creationId xmlns:p14="http://schemas.microsoft.com/office/powerpoint/2010/main" val="2627619295"/>
       </p:ext>
     </p:extLst>
   </p:cSld>
@@ -4900,7 +5031,7 @@
           <p:cNvPr id="2" name="Title 1">
             <a:extLst>
               <a:ext uri="{FF2B5EF4-FFF2-40B4-BE49-F238E27FC236}">
-                <a16:creationId xmlns:a16="http://schemas.microsoft.com/office/drawing/2014/main" id="{ABFE3563-A571-5D41-BFAC-963BB7C75E7B}"/>
+                <a16:creationId xmlns:a16="http://schemas.microsoft.com/office/drawing/2014/main" id="{5B7886D3-BA1D-3C4D-BD7F-3676D2DC0906}"/>
               </a:ext>
             </a:extLst>
           </p:cNvPr>
@@ -4913,12 +5044,14 @@
         </p:nvSpPr>
         <p:spPr/>
         <p:txBody>
-          <a:bodyPr/>
-          <a:lstStyle/>
-          <a:p>
-            <a:r>
-              <a:rPr lang="en-US" dirty="0"/>
-              <a:t>what we did 1 – background analysis</a:t>
+          <a:bodyPr>
+            <a:normAutofit/>
+          </a:bodyPr>
+          <a:lstStyle/>
+          <a:p>
+            <a:r>
+              <a:rPr lang="en-US" dirty="0"/>
+              <a:t>Why do we want distribution of magnitudes?</a:t>
             </a:r>
           </a:p>
         </p:txBody>
@@ -4928,7 +5061,7 @@
           <p:cNvPr id="3" name="Content Placeholder 2">
             <a:extLst>
               <a:ext uri="{FF2B5EF4-FFF2-40B4-BE49-F238E27FC236}">
-                <a16:creationId xmlns:a16="http://schemas.microsoft.com/office/drawing/2014/main" id="{4A330201-0DCD-F144-942B-9028A22C2C72}"/>
+                <a16:creationId xmlns:a16="http://schemas.microsoft.com/office/drawing/2014/main" id="{C65FE671-2011-BC42-84BD-34F67733B738}"/>
               </a:ext>
             </a:extLst>
           </p:cNvPr>
@@ -4946,33 +5079,21 @@
           <a:p>
             <a:r>
               <a:rPr lang="en-US" dirty="0"/>
-              <a:t>Fitted Gaussian to background portion of histogram</a:t>
-            </a:r>
-          </a:p>
-          <a:p>
-            <a:r>
-              <a:rPr lang="en-US" dirty="0"/>
-              <a:t>Tails of Gaussian -&gt; threshold for what’s an object</a:t>
-            </a:r>
-          </a:p>
-          <a:p>
-            <a:r>
-              <a:rPr lang="en-US" dirty="0"/>
-              <a:t>Cropped out edge – just background, ignore</a:t>
-            </a:r>
-          </a:p>
-          <a:p>
-            <a:pPr marL="0" indent="0">
-              <a:buNone/>
-            </a:pPr>
-            <a:endParaRPr lang="en-US" dirty="0"/>
+              <a:t>Talk a bit about modern conventional methods in the industry</a:t>
+            </a:r>
+          </a:p>
+          <a:p>
+            <a:r>
+              <a:rPr lang="en-US" dirty="0"/>
+              <a:t>Allows us to compare to data from literature</a:t>
+            </a:r>
           </a:p>
         </p:txBody>
       </p:sp>
     </p:spTree>
     <p:extLst>
       <p:ext uri="{BB962C8B-B14F-4D97-AF65-F5344CB8AC3E}">
-        <p14:creationId xmlns:p14="http://schemas.microsoft.com/office/powerpoint/2010/main" val="1080425164"/>
+        <p14:creationId xmlns:p14="http://schemas.microsoft.com/office/powerpoint/2010/main" val="496973977"/>
       </p:ext>
     </p:extLst>
   </p:cSld>
@@ -5022,7 +5143,7 @@
           <a:p>
             <a:r>
               <a:rPr lang="en-US" dirty="0"/>
-              <a:t>what we did 2 – object detection</a:t>
+              <a:t>what we did 1 – background analysis</a:t>
             </a:r>
           </a:p>
         </p:txBody>
@@ -5050,53 +5171,33 @@
           <a:p>
             <a:r>
               <a:rPr lang="en-US" dirty="0"/>
-              <a:t>binary check using BG threshold, create image of 1s if object and 0s if background</a:t>
-            </a:r>
-          </a:p>
-          <a:p>
-            <a:r>
-              <a:rPr lang="en-US" dirty="0"/>
-              <a:t>-&gt; show plot of this</a:t>
-            </a:r>
-          </a:p>
-          <a:p>
-            <a:r>
-              <a:rPr lang="en-US" dirty="0"/>
-              <a:t>Finds groups of connected pixels, labels consecutively</a:t>
-            </a:r>
-          </a:p>
-          <a:p>
-            <a:r>
-              <a:rPr lang="en-US" dirty="0"/>
-              <a:t>Discuss method used</a:t>
-            </a:r>
-          </a:p>
-          <a:p>
-            <a:r>
-              <a:rPr lang="en-US" dirty="0"/>
-              <a:t>Removes any which have less than 50 </a:t>
-            </a:r>
-            <a:r>
-              <a:rPr lang="en-US" dirty="0" err="1"/>
-              <a:t>pxls</a:t>
-            </a:r>
-            <a:r>
-              <a:rPr lang="en-US" dirty="0"/>
-              <a:t> + relabels</a:t>
-            </a:r>
-          </a:p>
-          <a:p>
-            <a:r>
-              <a:rPr lang="en-US" dirty="0"/>
-              <a:t>Now have isolated objects successfully</a:t>
-            </a:r>
+              <a:t>Fitted Gaussian to background portion of histogram</a:t>
+            </a:r>
+          </a:p>
+          <a:p>
+            <a:r>
+              <a:rPr lang="en-US" dirty="0"/>
+              <a:t>Tails of Gaussian -&gt; threshold for what’s an object</a:t>
+            </a:r>
+          </a:p>
+          <a:p>
+            <a:r>
+              <a:rPr lang="en-US" dirty="0"/>
+              <a:t>Cropped out edge – just background, ignore</a:t>
+            </a:r>
+          </a:p>
+          <a:p>
+            <a:pPr marL="0" indent="0">
+              <a:buNone/>
+            </a:pPr>
+            <a:endParaRPr lang="en-US" dirty="0"/>
           </a:p>
         </p:txBody>
       </p:sp>
     </p:spTree>
     <p:extLst>
       <p:ext uri="{BB962C8B-B14F-4D97-AF65-F5344CB8AC3E}">
-        <p14:creationId xmlns:p14="http://schemas.microsoft.com/office/powerpoint/2010/main" val="1956318787"/>
+        <p14:creationId xmlns:p14="http://schemas.microsoft.com/office/powerpoint/2010/main" val="1080425164"/>
       </p:ext>
     </p:extLst>
   </p:cSld>
@@ -5128,7 +5229,7 @@
           <p:cNvPr id="2" name="Title 1">
             <a:extLst>
               <a:ext uri="{FF2B5EF4-FFF2-40B4-BE49-F238E27FC236}">
-                <a16:creationId xmlns:a16="http://schemas.microsoft.com/office/drawing/2014/main" id="{8A05F75F-FCC7-7A45-8020-2BDD7FFCE9D3}"/>
+                <a16:creationId xmlns:a16="http://schemas.microsoft.com/office/drawing/2014/main" id="{ABFE3563-A571-5D41-BFAC-963BB7C75E7B}"/>
               </a:ext>
             </a:extLst>
           </p:cNvPr>
@@ -5146,7 +5247,7 @@
           <a:p>
             <a:r>
               <a:rPr lang="en-US" dirty="0"/>
-              <a:t>what we did 3 – background correction</a:t>
+              <a:t>what we did 2 – object detection</a:t>
             </a:r>
           </a:p>
         </p:txBody>
@@ -5156,7 +5257,7 @@
           <p:cNvPr id="3" name="Content Placeholder 2">
             <a:extLst>
               <a:ext uri="{FF2B5EF4-FFF2-40B4-BE49-F238E27FC236}">
-                <a16:creationId xmlns:a16="http://schemas.microsoft.com/office/drawing/2014/main" id="{0A761249-C962-014E-A25A-A7ABDB1281D0}"/>
+                <a16:creationId xmlns:a16="http://schemas.microsoft.com/office/drawing/2014/main" id="{4A330201-0DCD-F144-942B-9028A22C2C72}"/>
               </a:ext>
             </a:extLst>
           </p:cNvPr>
@@ -5174,58 +5275,53 @@
           <a:p>
             <a:r>
               <a:rPr lang="en-US" dirty="0"/>
-              <a:t>Linearly interpolates across gaps</a:t>
-            </a:r>
-          </a:p>
-          <a:p>
-            <a:r>
-              <a:rPr lang="en-US" dirty="0"/>
-              <a:t>Replaces filled gaps with MEDIAN (mean would weigh star bleeding too highly) value of surrounding background</a:t>
-            </a:r>
-          </a:p>
-          <a:p>
-            <a:r>
-              <a:rPr lang="en-US" dirty="0"/>
-              <a:t>Histogram of masked, interpolated, filled background</a:t>
-            </a:r>
-          </a:p>
-          <a:p>
-            <a:r>
-              <a:rPr lang="en-US" dirty="0"/>
-              <a:t>Now obtained true image (</a:t>
+              <a:t>binary check using BG threshold, create image of 1s if object and 0s if background</a:t>
+            </a:r>
+          </a:p>
+          <a:p>
+            <a:r>
+              <a:rPr lang="en-US" dirty="0"/>
+              <a:t>-&gt; show plot of this</a:t>
+            </a:r>
+          </a:p>
+          <a:p>
+            <a:r>
+              <a:rPr lang="en-US" dirty="0"/>
+              <a:t>Finds groups of connected pixels, labels consecutively</a:t>
+            </a:r>
+          </a:p>
+          <a:p>
+            <a:r>
+              <a:rPr lang="en-US" dirty="0"/>
+              <a:t>Discuss method used</a:t>
+            </a:r>
+          </a:p>
+          <a:p>
+            <a:r>
+              <a:rPr lang="en-US" dirty="0"/>
+              <a:t>Removes any which have less than 50 </a:t>
             </a:r>
             <a:r>
               <a:rPr lang="en-US" dirty="0" err="1"/>
-              <a:t>orig</a:t>
-            </a:r>
-            <a:r>
-              <a:rPr lang="en-US" dirty="0"/>
-              <a:t> – </a:t>
-            </a:r>
-            <a:r>
-              <a:rPr lang="en-US" dirty="0" err="1"/>
-              <a:t>bg</a:t>
-            </a:r>
-            <a:r>
-              <a:rPr lang="en-US" dirty="0"/>
-              <a:t>)</a:t>
-            </a:r>
-          </a:p>
-          <a:p>
-            <a:r>
-              <a:rPr lang="en-US" dirty="0"/>
-              <a:t>Show corrected image</a:t>
-            </a:r>
-          </a:p>
-          <a:p>
-            <a:endParaRPr lang="en-US" dirty="0"/>
+              <a:t>pxls</a:t>
+            </a:r>
+            <a:r>
+              <a:rPr lang="en-US" dirty="0"/>
+              <a:t> + relabels</a:t>
+            </a:r>
+          </a:p>
+          <a:p>
+            <a:r>
+              <a:rPr lang="en-US" dirty="0"/>
+              <a:t>Now have isolated objects successfully</a:t>
+            </a:r>
           </a:p>
         </p:txBody>
       </p:sp>
     </p:spTree>
     <p:extLst>
       <p:ext uri="{BB962C8B-B14F-4D97-AF65-F5344CB8AC3E}">
-        <p14:creationId xmlns:p14="http://schemas.microsoft.com/office/powerpoint/2010/main" val="1432179062"/>
+        <p14:creationId xmlns:p14="http://schemas.microsoft.com/office/powerpoint/2010/main" val="1956318787"/>
       </p:ext>
     </p:extLst>
   </p:cSld>
@@ -5257,7 +5353,7 @@
           <p:cNvPr id="2" name="Title 1">
             <a:extLst>
               <a:ext uri="{FF2B5EF4-FFF2-40B4-BE49-F238E27FC236}">
-                <a16:creationId xmlns:a16="http://schemas.microsoft.com/office/drawing/2014/main" id="{2DB9213D-4FC3-1F42-A4A0-53975FFEF551}"/>
+                <a16:creationId xmlns:a16="http://schemas.microsoft.com/office/drawing/2014/main" id="{8A05F75F-FCC7-7A45-8020-2BDD7FFCE9D3}"/>
               </a:ext>
             </a:extLst>
           </p:cNvPr>
@@ -5275,7 +5371,7 @@
           <a:p>
             <a:r>
               <a:rPr lang="en-US" dirty="0"/>
-              <a:t>what we did 4 – corrected image</a:t>
+              <a:t>what we did 3 – background correction</a:t>
             </a:r>
           </a:p>
         </p:txBody>
@@ -5285,7 +5381,7 @@
           <p:cNvPr id="3" name="Content Placeholder 2">
             <a:extLst>
               <a:ext uri="{FF2B5EF4-FFF2-40B4-BE49-F238E27FC236}">
-                <a16:creationId xmlns:a16="http://schemas.microsoft.com/office/drawing/2014/main" id="{2F0BC6F4-52F5-054D-95CA-CEEB60014C51}"/>
+                <a16:creationId xmlns:a16="http://schemas.microsoft.com/office/drawing/2014/main" id="{0A761249-C962-014E-A25A-A7ABDB1281D0}"/>
               </a:ext>
             </a:extLst>
           </p:cNvPr>
@@ -5303,51 +5399,58 @@
           <a:p>
             <a:r>
               <a:rPr lang="en-US" dirty="0"/>
-              <a:t>Histogram of true image -&gt; distribution of brightness</a:t>
-            </a:r>
-          </a:p>
-          <a:p>
-            <a:r>
-              <a:rPr lang="en-US" dirty="0"/>
-              <a:t>Gaussian fit to histogram</a:t>
-            </a:r>
-          </a:p>
-          <a:p>
-            <a:r>
-              <a:rPr lang="en-US" dirty="0"/>
-              <a:t>Now we have true background, use histogram tail to isolate objects properly</a:t>
-            </a:r>
-          </a:p>
-          <a:p>
-            <a:r>
-              <a:rPr lang="en-US" dirty="0"/>
-              <a:t>Identifies connected pixels again</a:t>
-            </a:r>
-          </a:p>
-          <a:p>
-            <a:r>
-              <a:rPr lang="en-US" dirty="0"/>
-              <a:t>Removes small objects + relabels again</a:t>
-            </a:r>
-          </a:p>
-          <a:p>
-            <a:r>
-              <a:rPr lang="en-US" dirty="0"/>
-              <a:t>Now isolated all images properly w/ non-background-included counts</a:t>
-            </a:r>
-          </a:p>
-          <a:p>
-            <a:r>
-              <a:rPr lang="en-US" dirty="0"/>
-              <a:t>Show examples of objects</a:t>
-            </a:r>
+              <a:t>Linearly interpolates across gaps</a:t>
+            </a:r>
+          </a:p>
+          <a:p>
+            <a:r>
+              <a:rPr lang="en-US" dirty="0"/>
+              <a:t>Replaces filled gaps with MEDIAN (mean would weigh star bleeding too highly) value of surrounding background</a:t>
+            </a:r>
+          </a:p>
+          <a:p>
+            <a:r>
+              <a:rPr lang="en-US" dirty="0"/>
+              <a:t>Histogram of masked, interpolated, filled background</a:t>
+            </a:r>
+          </a:p>
+          <a:p>
+            <a:r>
+              <a:rPr lang="en-US" dirty="0"/>
+              <a:t>Now obtained true image (</a:t>
+            </a:r>
+            <a:r>
+              <a:rPr lang="en-US" dirty="0" err="1"/>
+              <a:t>orig</a:t>
+            </a:r>
+            <a:r>
+              <a:rPr lang="en-US" dirty="0"/>
+              <a:t> – </a:t>
+            </a:r>
+            <a:r>
+              <a:rPr lang="en-US" dirty="0" err="1"/>
+              <a:t>bg</a:t>
+            </a:r>
+            <a:r>
+              <a:rPr lang="en-US" dirty="0"/>
+              <a:t>)</a:t>
+            </a:r>
+          </a:p>
+          <a:p>
+            <a:r>
+              <a:rPr lang="en-US" dirty="0"/>
+              <a:t>Show corrected image</a:t>
+            </a:r>
+          </a:p>
+          <a:p>
+            <a:endParaRPr lang="en-US" dirty="0"/>
           </a:p>
         </p:txBody>
       </p:sp>
     </p:spTree>
     <p:extLst>
       <p:ext uri="{BB962C8B-B14F-4D97-AF65-F5344CB8AC3E}">
-        <p14:creationId xmlns:p14="http://schemas.microsoft.com/office/powerpoint/2010/main" val="1281899891"/>
+        <p14:creationId xmlns:p14="http://schemas.microsoft.com/office/powerpoint/2010/main" val="1432179062"/>
       </p:ext>
     </p:extLst>
   </p:cSld>
